--- a/Trabalho Final - EngSoft.pptx
+++ b/Trabalho Final - EngSoft.pptx
@@ -6151,7 +6151,7 @@
           <p:cNvPr id="2" name="Título 1">
             <a:extLst>
               <a:ext uri="{FF2B5EF4-FFF2-40B4-BE49-F238E27FC236}">
-                <a16:creationId xmlns:a16="http://schemas.microsoft.com/office/drawing/2014/main" xmlns="" id="{29B2B11D-E4A5-4A36-B6FD-EE2C67E477CF}"/>
+                <a16:creationId xmlns:a16="http://schemas.microsoft.com/office/drawing/2014/main" id="{29B2B11D-E4A5-4A36-B6FD-EE2C67E477CF}"/>
               </a:ext>
             </a:extLst>
           </p:cNvPr>
@@ -6203,7 +6203,7 @@
           <p:cNvPr id="3" name="Subtítulo 2">
             <a:extLst>
               <a:ext uri="{FF2B5EF4-FFF2-40B4-BE49-F238E27FC236}">
-                <a16:creationId xmlns:a16="http://schemas.microsoft.com/office/drawing/2014/main" xmlns="" id="{E2ECCB6E-D822-44EF-8496-D334D6DEB7F5}"/>
+                <a16:creationId xmlns:a16="http://schemas.microsoft.com/office/drawing/2014/main" id="{E2ECCB6E-D822-44EF-8496-D334D6DEB7F5}"/>
               </a:ext>
             </a:extLst>
           </p:cNvPr>
@@ -6272,7 +6272,7 @@
           <p:cNvPr id="2" name="Título 1">
             <a:extLst>
               <a:ext uri="{FF2B5EF4-FFF2-40B4-BE49-F238E27FC236}">
-                <a16:creationId xmlns:a16="http://schemas.microsoft.com/office/drawing/2014/main" xmlns="" id="{0D120D75-9B6A-4F29-A2B3-9E3433941793}"/>
+                <a16:creationId xmlns:a16="http://schemas.microsoft.com/office/drawing/2014/main" id="{0D120D75-9B6A-4F29-A2B3-9E3433941793}"/>
               </a:ext>
             </a:extLst>
           </p:cNvPr>
@@ -6304,7 +6304,7 @@
           <p:cNvPr id="5" name="Espaço Reservado para Conteúdo 4">
             <a:extLst>
               <a:ext uri="{FF2B5EF4-FFF2-40B4-BE49-F238E27FC236}">
-                <a16:creationId xmlns:a16="http://schemas.microsoft.com/office/drawing/2014/main" xmlns="" id="{C88E848B-D1F5-4D68-BF88-0E434DF752C4}"/>
+                <a16:creationId xmlns:a16="http://schemas.microsoft.com/office/drawing/2014/main" id="{C88E848B-D1F5-4D68-BF88-0E434DF752C4}"/>
               </a:ext>
             </a:extLst>
           </p:cNvPr>
@@ -6369,7 +6369,7 @@
           <p:cNvPr id="2" name="Título 1">
             <a:extLst>
               <a:ext uri="{FF2B5EF4-FFF2-40B4-BE49-F238E27FC236}">
-                <a16:creationId xmlns:a16="http://schemas.microsoft.com/office/drawing/2014/main" xmlns="" id="{4344BE6A-8171-4F82-825E-16F0FC125B01}"/>
+                <a16:creationId xmlns:a16="http://schemas.microsoft.com/office/drawing/2014/main" id="{4344BE6A-8171-4F82-825E-16F0FC125B01}"/>
               </a:ext>
             </a:extLst>
           </p:cNvPr>
@@ -6401,7 +6401,7 @@
           <p:cNvPr id="3" name="Espaço Reservado para Conteúdo 2">
             <a:extLst>
               <a:ext uri="{FF2B5EF4-FFF2-40B4-BE49-F238E27FC236}">
-                <a16:creationId xmlns:a16="http://schemas.microsoft.com/office/drawing/2014/main" xmlns="" id="{567A7A80-9625-4578-88BF-B1E34AB7AC73}"/>
+                <a16:creationId xmlns:a16="http://schemas.microsoft.com/office/drawing/2014/main" id="{567A7A80-9625-4578-88BF-B1E34AB7AC73}"/>
               </a:ext>
             </a:extLst>
           </p:cNvPr>
@@ -6483,7 +6483,7 @@
           <p:cNvPr id="2" name="Título 1">
             <a:extLst>
               <a:ext uri="{FF2B5EF4-FFF2-40B4-BE49-F238E27FC236}">
-                <a16:creationId xmlns:a16="http://schemas.microsoft.com/office/drawing/2014/main" xmlns="" id="{82CC6708-26DA-4E51-BE5A-30E92202A491}"/>
+                <a16:creationId xmlns:a16="http://schemas.microsoft.com/office/drawing/2014/main" id="{82CC6708-26DA-4E51-BE5A-30E92202A491}"/>
               </a:ext>
             </a:extLst>
           </p:cNvPr>
@@ -6501,11 +6501,18 @@
           <a:p>
             <a:pPr algn="ctr"/>
             <a:r>
-              <a:rPr lang="pt-BR" dirty="0" smtClean="0">
+              <a:rPr lang="pt-BR" dirty="0">
                 <a:latin typeface="Arial" panose="020B0604020202020204" pitchFamily="34" charset="0"/>
                 <a:cs typeface="Arial" panose="020B0604020202020204" pitchFamily="34" charset="0"/>
               </a:rPr>
-              <a:t>exemplo</a:t>
+              <a:t>E</a:t>
+            </a:r>
+            <a:r>
+              <a:rPr lang="pt-BR" smtClean="0">
+                <a:latin typeface="Arial" panose="020B0604020202020204" pitchFamily="34" charset="0"/>
+                <a:cs typeface="Arial" panose="020B0604020202020204" pitchFamily="34" charset="0"/>
+              </a:rPr>
+              <a:t>xemplo</a:t>
             </a:r>
             <a:endParaRPr lang="pt-BR" dirty="0">
               <a:latin typeface="Arial" panose="020B0604020202020204" pitchFamily="34" charset="0"/>
@@ -6519,7 +6526,7 @@
           <p:cNvPr id="3" name="Espaço Reservado para Conteúdo 2">
             <a:extLst>
               <a:ext uri="{FF2B5EF4-FFF2-40B4-BE49-F238E27FC236}">
-                <a16:creationId xmlns:a16="http://schemas.microsoft.com/office/drawing/2014/main" xmlns="" id="{D4F74FEF-A8F3-4DF0-8E24-EA5A1BF05C58}"/>
+                <a16:creationId xmlns:a16="http://schemas.microsoft.com/office/drawing/2014/main" id="{D4F74FEF-A8F3-4DF0-8E24-EA5A1BF05C58}"/>
               </a:ext>
             </a:extLst>
           </p:cNvPr>
@@ -6679,7 +6686,7 @@
           <p:cNvPr id="2" name="Título 1">
             <a:extLst>
               <a:ext uri="{FF2B5EF4-FFF2-40B4-BE49-F238E27FC236}">
-                <a16:creationId xmlns:a16="http://schemas.microsoft.com/office/drawing/2014/main" xmlns="" id="{1989DD82-C95E-49E8-A111-60570D598E72}"/>
+                <a16:creationId xmlns:a16="http://schemas.microsoft.com/office/drawing/2014/main" id="{1989DD82-C95E-49E8-A111-60570D598E72}"/>
               </a:ext>
             </a:extLst>
           </p:cNvPr>
@@ -6705,7 +6712,7 @@
           <p:cNvPr id="5" name="Rectangle 2">
             <a:extLst>
               <a:ext uri="{FF2B5EF4-FFF2-40B4-BE49-F238E27FC236}">
-                <a16:creationId xmlns:a16="http://schemas.microsoft.com/office/drawing/2014/main" xmlns="" id="{059B6103-F927-4C04-B439-3AEB566CB794}"/>
+                <a16:creationId xmlns:a16="http://schemas.microsoft.com/office/drawing/2014/main" id="{059B6103-F927-4C04-B439-3AEB566CB794}"/>
               </a:ext>
             </a:extLst>
           </p:cNvPr>
@@ -7091,7 +7098,7 @@
           <p:cNvPr id="2" name="Título 1">
             <a:extLst>
               <a:ext uri="{FF2B5EF4-FFF2-40B4-BE49-F238E27FC236}">
-                <a16:creationId xmlns:a16="http://schemas.microsoft.com/office/drawing/2014/main" xmlns="" id="{3662115D-2E47-4D78-97CE-E9C16FC9C15D}"/>
+                <a16:creationId xmlns:a16="http://schemas.microsoft.com/office/drawing/2014/main" id="{3662115D-2E47-4D78-97CE-E9C16FC9C15D}"/>
               </a:ext>
             </a:extLst>
           </p:cNvPr>
@@ -7123,7 +7130,7 @@
           <p:cNvPr id="5" name="Espaço Reservado para Conteúdo 4">
             <a:extLst>
               <a:ext uri="{FF2B5EF4-FFF2-40B4-BE49-F238E27FC236}">
-                <a16:creationId xmlns:a16="http://schemas.microsoft.com/office/drawing/2014/main" xmlns="" id="{360C448B-F882-4737-B9B1-2557DE4A9A25}"/>
+                <a16:creationId xmlns:a16="http://schemas.microsoft.com/office/drawing/2014/main" id="{360C448B-F882-4737-B9B1-2557DE4A9A25}"/>
               </a:ext>
             </a:extLst>
           </p:cNvPr>
@@ -7330,7 +7337,7 @@
           <p:cNvPr id="2" name="Título 1">
             <a:extLst>
               <a:ext uri="{FF2B5EF4-FFF2-40B4-BE49-F238E27FC236}">
-                <a16:creationId xmlns:a16="http://schemas.microsoft.com/office/drawing/2014/main" xmlns="" id="{D62DE941-2EB6-4FA8-955E-1BBE047C6DD6}"/>
+                <a16:creationId xmlns:a16="http://schemas.microsoft.com/office/drawing/2014/main" id="{D62DE941-2EB6-4FA8-955E-1BBE047C6DD6}"/>
               </a:ext>
             </a:extLst>
           </p:cNvPr>
@@ -7362,7 +7369,7 @@
           <p:cNvPr id="3" name="Espaço Reservado para Conteúdo 2">
             <a:extLst>
               <a:ext uri="{FF2B5EF4-FFF2-40B4-BE49-F238E27FC236}">
-                <a16:creationId xmlns:a16="http://schemas.microsoft.com/office/drawing/2014/main" xmlns="" id="{A8E6AB28-448A-4F01-BAB8-349B01CCE996}"/>
+                <a16:creationId xmlns:a16="http://schemas.microsoft.com/office/drawing/2014/main" id="{A8E6AB28-448A-4F01-BAB8-349B01CCE996}"/>
               </a:ext>
             </a:extLst>
           </p:cNvPr>
@@ -7456,7 +7463,7 @@
           <p:cNvPr id="2" name="Título 1">
             <a:extLst>
               <a:ext uri="{FF2B5EF4-FFF2-40B4-BE49-F238E27FC236}">
-                <a16:creationId xmlns:a16="http://schemas.microsoft.com/office/drawing/2014/main" xmlns="" id="{9B1B34D5-C0A1-426A-804E-DD6F02BDCBF4}"/>
+                <a16:creationId xmlns:a16="http://schemas.microsoft.com/office/drawing/2014/main" id="{9B1B34D5-C0A1-426A-804E-DD6F02BDCBF4}"/>
               </a:ext>
             </a:extLst>
           </p:cNvPr>
@@ -7488,7 +7495,7 @@
           <p:cNvPr id="3" name="Espaço Reservado para Conteúdo 2">
             <a:extLst>
               <a:ext uri="{FF2B5EF4-FFF2-40B4-BE49-F238E27FC236}">
-                <a16:creationId xmlns:a16="http://schemas.microsoft.com/office/drawing/2014/main" xmlns="" id="{FF23BDC5-70D5-4ED7-B539-C5C2FF3BC55B}"/>
+                <a16:creationId xmlns:a16="http://schemas.microsoft.com/office/drawing/2014/main" id="{FF23BDC5-70D5-4ED7-B539-C5C2FF3BC55B}"/>
               </a:ext>
             </a:extLst>
           </p:cNvPr>
@@ -7553,7 +7560,7 @@
           <p:cNvPr id="2" name="Título 1">
             <a:extLst>
               <a:ext uri="{FF2B5EF4-FFF2-40B4-BE49-F238E27FC236}">
-                <a16:creationId xmlns:a16="http://schemas.microsoft.com/office/drawing/2014/main" xmlns="" id="{A121556E-6890-47B9-8A9C-C4E9E5E3ABCA}"/>
+                <a16:creationId xmlns:a16="http://schemas.microsoft.com/office/drawing/2014/main" id="{A121556E-6890-47B9-8A9C-C4E9E5E3ABCA}"/>
               </a:ext>
             </a:extLst>
           </p:cNvPr>
@@ -7609,7 +7616,7 @@
           <p:cNvPr id="5" name="Espaço Reservado para Conteúdo 4">
             <a:extLst>
               <a:ext uri="{FF2B5EF4-FFF2-40B4-BE49-F238E27FC236}">
-                <a16:creationId xmlns:a16="http://schemas.microsoft.com/office/drawing/2014/main" xmlns="" id="{B3AF08BA-EA45-47FE-82F6-107DBA61E6CC}"/>
+                <a16:creationId xmlns:a16="http://schemas.microsoft.com/office/drawing/2014/main" id="{B3AF08BA-EA45-47FE-82F6-107DBA61E6CC}"/>
               </a:ext>
             </a:extLst>
           </p:cNvPr>
